--- a/slides/pyspark/dataframes_slides/dataFrames_transformations_UDF.pptx
+++ b/slides/pyspark/dataframes_slides/dataFrames_transformations_UDF.pptx
@@ -536,7 +536,7 @@
           <a:p>
             <a:fld id="{B9BF1A25-DA02-B94D-83E7-38F452A4DD0B}" type="datetimeFigureOut">
               <a:rPr lang="en-US" smtClean="0"/>
-              <a:t>5/13/22</a:t>
+              <a:t>11/10/22</a:t>
             </a:fld>
             <a:endParaRPr lang="en-US" dirty="0"/>
           </a:p>
@@ -702,7 +702,7 @@
           <a:p>
             <a:fld id="{773D608E-326B-064D-8838-D0E4D51BA537}" type="datetimeFigureOut">
               <a:rPr lang="en-US" smtClean="0"/>
-              <a:t>5/13/22</a:t>
+              <a:t>11/10/22</a:t>
             </a:fld>
             <a:endParaRPr lang="en-US" dirty="0"/>
           </a:p>
@@ -9236,7 +9236,7 @@
               <a:rPr lang="en-US" sz="2600" dirty="0" err="1">
                 <a:latin typeface="Courier" pitchFamily="2" charset="0"/>
               </a:rPr>
-              <a:t>Column_names</a:t>
+              <a:t>column_names</a:t>
             </a:r>
             <a:r>
               <a:rPr lang="en-US" sz="2600" dirty="0">
@@ -9339,13 +9339,25 @@
               <a:rPr lang="en-US" sz="2600" dirty="0" err="1">
                 <a:latin typeface="Courier" pitchFamily="2" charset="0"/>
               </a:rPr>
-              <a:t>my_data,schema</a:t>
+              <a:t>my_data</a:t>
             </a:r>
             <a:r>
               <a:rPr lang="en-US" sz="2600" dirty="0">
                 <a:latin typeface="Courier" pitchFamily="2" charset="0"/>
               </a:rPr>
-              <a:t>=columns)</a:t>
+              <a:t>, schema=</a:t>
+            </a:r>
+            <a:r>
+              <a:rPr lang="en-US" sz="2600" dirty="0" err="1">
+                <a:latin typeface="Courier" pitchFamily="2" charset="0"/>
+              </a:rPr>
+              <a:t>column_names</a:t>
+            </a:r>
+            <a:r>
+              <a:rPr lang="en-US" sz="2600" dirty="0">
+                <a:latin typeface="Courier" pitchFamily="2" charset="0"/>
+              </a:rPr>
+              <a:t>)</a:t>
             </a:r>
           </a:p>
           <a:p>
@@ -9578,7 +9590,19 @@
               <a:rPr lang="en-US" sz="3400" dirty="0">
                 <a:latin typeface="Courier" pitchFamily="2" charset="0"/>
               </a:rPr>
-              <a:t>=columns)</a:t>
+              <a:t>=</a:t>
+            </a:r>
+            <a:r>
+              <a:rPr lang="en-US" sz="3400" dirty="0" err="1">
+                <a:latin typeface="Courier" pitchFamily="2" charset="0"/>
+              </a:rPr>
+              <a:t>column_names</a:t>
+            </a:r>
+            <a:r>
+              <a:rPr lang="en-US" sz="3400" dirty="0">
+                <a:latin typeface="Courier" pitchFamily="2" charset="0"/>
+              </a:rPr>
+              <a:t>)</a:t>
             </a:r>
           </a:p>
           <a:p>
@@ -9832,7 +9856,7 @@
             </a:r>
             <a:r>
               <a:rPr lang="en-US" sz="2800" dirty="0" err="1"/>
-              <a:t>convertCase</a:t>
+              <a:t>convert_case</a:t>
             </a:r>
             <a:r>
               <a:rPr lang="en-US" sz="2800" dirty="0"/>
